--- a/ITSM Predictive SLA Breach.pptx
+++ b/ITSM Predictive SLA Breach.pptx
@@ -13,6 +13,7 @@
     <p:sldId id="261" r:id="rId7"/>
     <p:sldId id="262" r:id="rId8"/>
     <p:sldId id="264" r:id="rId9"/>
+    <p:sldId id="265" r:id="rId10"/>
   </p:sldIdLst>
   <p:sldSz cx="12192000" cy="6858000"/>
   <p:notesSz cx="6858000" cy="9144000"/>
@@ -111,6 +112,11 @@
       </a:defRPr>
     </a:lvl9pPr>
   </p:defaultTextStyle>
+  <p:extLst>
+    <p:ext uri="{EFAFB233-063F-42B5-8137-9DF3F51BA10A}">
+      <p15:sldGuideLst xmlns:p15="http://schemas.microsoft.com/office/powerpoint/2012/main"/>
+    </p:ext>
+  </p:extLst>
 </p:presentation>
 </file>
 
@@ -270,7 +276,7 @@
           <a:p>
             <a:fld id="{6444479B-705B-4489-957E-7E8A228BDFA0}" type="datetime1">
               <a:rPr lang="en-US" smtClean="0"/>
-              <a:t>7/9/2025</a:t>
+              <a:t>7/10/2025</a:t>
             </a:fld>
             <a:endParaRPr lang="en-US"/>
           </a:p>
@@ -470,7 +476,7 @@
           <a:p>
             <a:fld id="{C07B66AD-7C08-490A-ADA4-B47E10FB2407}" type="datetime1">
               <a:rPr lang="en-US" smtClean="0"/>
-              <a:t>7/9/2025</a:t>
+              <a:t>7/10/2025</a:t>
             </a:fld>
             <a:endParaRPr lang="en-US"/>
           </a:p>
@@ -729,7 +735,7 @@
           <a:p>
             <a:fld id="{05B95027-4255-49E7-9841-CD21BCC99996}" type="datetime1">
               <a:rPr lang="en-US" smtClean="0"/>
-              <a:t>7/9/2025</a:t>
+              <a:t>7/10/2025</a:t>
             </a:fld>
             <a:endParaRPr lang="en-US"/>
           </a:p>
@@ -970,7 +976,7 @@
           <a:p>
             <a:fld id="{9F89F774-3FA6-43B8-9241-99959C8FD463}" type="datetime1">
               <a:rPr lang="en-US" smtClean="0"/>
-              <a:t>7/9/2025</a:t>
+              <a:t>7/10/2025</a:t>
             </a:fld>
             <a:endParaRPr lang="en-US"/>
           </a:p>
@@ -1297,7 +1303,7 @@
           <a:p>
             <a:fld id="{F9504452-5DCC-4FE2-A5C9-8A5EF6714D65}" type="datetime1">
               <a:rPr lang="en-US" smtClean="0"/>
-              <a:t>7/9/2025</a:t>
+              <a:t>7/10/2025</a:t>
             </a:fld>
             <a:endParaRPr lang="en-US"/>
           </a:p>
@@ -1607,7 +1613,7 @@
           <a:p>
             <a:fld id="{E579ABC2-0180-4F3A-A895-A85BC724D472}" type="datetime1">
               <a:rPr lang="en-US" smtClean="0"/>
-              <a:t>7/9/2025</a:t>
+              <a:t>7/10/2025</a:t>
             </a:fld>
             <a:endParaRPr lang="en-US"/>
           </a:p>
@@ -2025,7 +2031,7 @@
           <a:p>
             <a:fld id="{6AEEA9BA-4E8F-439E-BEA4-91FBA01E3F5F}" type="datetime1">
               <a:rPr lang="en-US" smtClean="0"/>
-              <a:t>7/9/2025</a:t>
+              <a:t>7/10/2025</a:t>
             </a:fld>
             <a:endParaRPr lang="en-US"/>
           </a:p>
@@ -2167,7 +2173,7 @@
           <a:p>
             <a:fld id="{BE15BF18-0007-481C-AA29-413124BC3EE7}" type="datetime1">
               <a:rPr lang="en-US" smtClean="0"/>
-              <a:t>7/9/2025</a:t>
+              <a:t>7/10/2025</a:t>
             </a:fld>
             <a:endParaRPr lang="en-US"/>
           </a:p>
@@ -2329,7 +2335,7 @@
           <a:p>
             <a:fld id="{09BE9870-3748-43AD-B547-02A075CB4A1D}" type="datetime1">
               <a:rPr lang="en-US" smtClean="0"/>
-              <a:t>7/9/2025</a:t>
+              <a:t>7/10/2025</a:t>
             </a:fld>
             <a:endParaRPr lang="en-US"/>
           </a:p>
@@ -2646,7 +2652,7 @@
           <a:p>
             <a:fld id="{558E7897-33C5-4F1A-9307-D068E37F3DC7}" type="datetime1">
               <a:rPr lang="en-US" smtClean="0"/>
-              <a:t>7/9/2025</a:t>
+              <a:t>7/10/2025</a:t>
             </a:fld>
             <a:endParaRPr lang="en-US"/>
           </a:p>
@@ -2941,7 +2947,7 @@
           <a:p>
             <a:fld id="{82E171BA-CC09-47C8-A6DF-F5C5CB59CEEC}" type="datetime1">
               <a:rPr lang="en-US" smtClean="0"/>
-              <a:t>7/9/2025</a:t>
+              <a:t>7/10/2025</a:t>
             </a:fld>
             <a:endParaRPr lang="en-US"/>
           </a:p>
@@ -3182,7 +3188,7 @@
           <a:p>
             <a:fld id="{7DA38F49-B3E2-4BF0-BEC7-C30D34ABBB8D}" type="datetime1">
               <a:rPr lang="en-US" smtClean="0"/>
-              <a:t>7/9/2025</a:t>
+              <a:t>7/10/2025</a:t>
             </a:fld>
             <a:endParaRPr lang="en-US"/>
           </a:p>
@@ -6598,7 +6604,7 @@
         </p:nvSpPr>
         <p:spPr>
           <a:xfrm>
-            <a:off x="7741880" y="3788661"/>
+            <a:off x="7847012" y="3749803"/>
             <a:ext cx="6137274" cy="369332"/>
           </a:xfrm>
           <a:prstGeom prst="rect">
@@ -7942,33 +7948,669 @@
           </a:p>
         </p:txBody>
       </p:sp>
-      <p:sp>
-        <p:nvSpPr>
-          <p:cNvPr id="3" name="Subtitle 2">
-            <a:extLst>
-              <a:ext uri="{FF2B5EF4-FFF2-40B4-BE49-F238E27FC236}">
-                <a16:creationId xmlns:a16="http://schemas.microsoft.com/office/drawing/2014/main" id="{705AA994-8066-4C89-CA5B-C916083AD974}"/>
-              </a:ext>
-            </a:extLst>
-          </p:cNvPr>
-          <p:cNvSpPr>
-            <a:spLocks noGrp="1"/>
-          </p:cNvSpPr>
-          <p:nvPr>
-            <p:ph type="subTitle" idx="1"/>
-          </p:nvPr>
-        </p:nvSpPr>
+      <p:pic>
+        <p:nvPicPr>
+          <p:cNvPr id="5" name="Picture 4">
+            <a:extLst>
+              <a:ext uri="{FF2B5EF4-FFF2-40B4-BE49-F238E27FC236}">
+                <a16:creationId xmlns:a16="http://schemas.microsoft.com/office/drawing/2014/main" id="{950266D9-3002-FD0C-93BC-2F170BE8ACA8}"/>
+              </a:ext>
+            </a:extLst>
+          </p:cNvPr>
+          <p:cNvPicPr>
+            <a:picLocks noChangeAspect="1"/>
+          </p:cNvPicPr>
+          <p:nvPr/>
+        </p:nvPicPr>
+        <p:blipFill>
+          <a:blip r:embed="rId2"/>
+          <a:stretch>
+            <a:fillRect/>
+          </a:stretch>
+        </p:blipFill>
         <p:spPr>
           <a:xfrm>
-            <a:off x="640080" y="2839793"/>
-            <a:ext cx="6675120" cy="3032974"/>
+            <a:off x="8026400" y="215964"/>
+            <a:ext cx="2571321" cy="6038786"/>
           </a:xfrm>
+          <a:prstGeom prst="rect">
+            <a:avLst/>
+          </a:prstGeom>
         </p:spPr>
-        <p:txBody>
-          <a:bodyPr/>
+      </p:pic>
+      <p:sp>
+        <p:nvSpPr>
+          <p:cNvPr id="6" name="Rectangle 1">
+            <a:extLst>
+              <a:ext uri="{FF2B5EF4-FFF2-40B4-BE49-F238E27FC236}">
+                <a16:creationId xmlns:a16="http://schemas.microsoft.com/office/drawing/2014/main" id="{3B15BDC8-01F4-AD2D-8233-C336FC1FA99F}"/>
+              </a:ext>
+            </a:extLst>
+          </p:cNvPr>
+          <p:cNvSpPr>
+            <a:spLocks noChangeArrowheads="1"/>
+          </p:cNvSpPr>
+          <p:nvPr/>
+        </p:nvSpPr>
+        <p:spPr bwMode="auto">
+          <a:xfrm>
+            <a:off x="298450" y="2672405"/>
+            <a:ext cx="5880100" cy="3631763"/>
+          </a:xfrm>
+          <a:prstGeom prst="rect">
+            <a:avLst/>
+          </a:prstGeom>
+          <a:noFill/>
+          <a:ln>
+            <a:noFill/>
+          </a:ln>
+          <a:effectLst/>
+          <a:extLst>
+            <a:ext uri="{909E8E84-426E-40DD-AFC4-6F175D3DCCD1}">
+              <a14:hiddenFill xmlns:a14="http://schemas.microsoft.com/office/drawing/2010/main">
+                <a:solidFill>
+                  <a:schemeClr val="accent1"/>
+                </a:solidFill>
+              </a14:hiddenFill>
+            </a:ext>
+            <a:ext uri="{91240B29-F687-4F45-9708-019B960494DF}">
+              <a14:hiddenLine xmlns:a14="http://schemas.microsoft.com/office/drawing/2010/main" w="9525">
+                <a:solidFill>
+                  <a:schemeClr val="tx1"/>
+                </a:solidFill>
+                <a:miter lim="800000"/>
+                <a:headEnd/>
+                <a:tailEnd/>
+              </a14:hiddenLine>
+            </a:ext>
+            <a:ext uri="{AF507438-7753-43E0-B8FC-AC1667EBCBE1}">
+              <a14:hiddenEffects xmlns:a14="http://schemas.microsoft.com/office/drawing/2010/main">
+                <a:effectLst>
+                  <a:outerShdw dist="35921" dir="2700000" algn="ctr" rotWithShape="0">
+                    <a:schemeClr val="bg2"/>
+                  </a:outerShdw>
+                </a:effectLst>
+              </a14:hiddenEffects>
+            </a:ext>
+          </a:extLst>
+        </p:spPr>
+        <p:txBody>
+          <a:bodyPr vert="horz" wrap="square" lIns="91440" tIns="45720" rIns="91440" bIns="45720" numCol="1" anchor="ctr" anchorCtr="0" compatLnSpc="1">
+            <a:prstTxWarp prst="textNoShape">
+              <a:avLst/>
+            </a:prstTxWarp>
+            <a:spAutoFit/>
+          </a:bodyPr>
           <a:lstStyle/>
           <a:p>
-            <a:endParaRPr lang="en-IN" dirty="0"/>
+            <a:pPr marL="0" marR="0" lvl="0" indent="0" algn="l" defTabSz="914400" rtl="0" eaLnBrk="0" fontAlgn="base" latinLnBrk="0" hangingPunct="0">
+              <a:lnSpc>
+                <a:spcPct val="100000"/>
+              </a:lnSpc>
+              <a:spcBef>
+                <a:spcPct val="0"/>
+              </a:spcBef>
+              <a:spcAft>
+                <a:spcPct val="0"/>
+              </a:spcAft>
+              <a:buClrTx/>
+              <a:buSzTx/>
+              <a:tabLst/>
+            </a:pPr>
+            <a:endParaRPr kumimoji="0" lang="en-US" altLang="en-US" sz="1000" b="1" i="0" u="none" strike="noStrike" cap="none" normalizeH="0" baseline="0" dirty="0">
+              <a:ln>
+                <a:noFill/>
+              </a:ln>
+              <a:solidFill>
+                <a:schemeClr val="tx1"/>
+              </a:solidFill>
+              <a:effectLst/>
+              <a:latin typeface="Arial" panose="020B0604020202020204" pitchFamily="34" charset="0"/>
+            </a:endParaRPr>
+          </a:p>
+          <a:p>
+            <a:pPr marL="0" marR="0" lvl="0" indent="0" algn="l" defTabSz="914400" rtl="0" eaLnBrk="0" fontAlgn="base" latinLnBrk="0" hangingPunct="0">
+              <a:lnSpc>
+                <a:spcPct val="100000"/>
+              </a:lnSpc>
+              <a:spcBef>
+                <a:spcPct val="0"/>
+              </a:spcBef>
+              <a:spcAft>
+                <a:spcPct val="0"/>
+              </a:spcAft>
+              <a:buClrTx/>
+              <a:buSzTx/>
+              <a:tabLst/>
+            </a:pPr>
+            <a:r>
+              <a:rPr lang="en-US" altLang="en-US" sz="1000" b="1" dirty="0">
+                <a:latin typeface="Arial" panose="020B0604020202020204" pitchFamily="34" charset="0"/>
+              </a:rPr>
+              <a:t>Use Flask Api to access the model to  get the inference pipeline result to get the </a:t>
+            </a:r>
+            <a:r>
+              <a:rPr lang="en-US" altLang="en-US" sz="1000" b="1" dirty="0" err="1">
+                <a:latin typeface="Arial" panose="020B0604020202020204" pitchFamily="34" charset="0"/>
+              </a:rPr>
+              <a:t>sla</a:t>
+            </a:r>
+            <a:r>
+              <a:rPr lang="en-US" altLang="en-US" sz="1000" b="1" dirty="0">
+                <a:latin typeface="Arial" panose="020B0604020202020204" pitchFamily="34" charset="0"/>
+              </a:rPr>
+              <a:t> breach result</a:t>
+            </a:r>
+          </a:p>
+          <a:p>
+            <a:pPr marL="0" marR="0" lvl="0" indent="0" algn="l" defTabSz="914400" rtl="0" eaLnBrk="0" fontAlgn="base" latinLnBrk="0" hangingPunct="0">
+              <a:lnSpc>
+                <a:spcPct val="100000"/>
+              </a:lnSpc>
+              <a:spcBef>
+                <a:spcPct val="0"/>
+              </a:spcBef>
+              <a:spcAft>
+                <a:spcPct val="0"/>
+              </a:spcAft>
+              <a:buClrTx/>
+              <a:buSzTx/>
+              <a:tabLst/>
+            </a:pPr>
+            <a:r>
+              <a:rPr kumimoji="0" lang="en-US" altLang="en-US" sz="1000" b="1" i="0" u="none" strike="noStrike" cap="none" normalizeH="0" baseline="0" dirty="0">
+                <a:ln>
+                  <a:noFill/>
+                </a:ln>
+                <a:solidFill>
+                  <a:schemeClr val="tx1"/>
+                </a:solidFill>
+                <a:effectLst/>
+                <a:latin typeface="Arial" panose="020B0604020202020204" pitchFamily="34" charset="0"/>
+              </a:rPr>
+              <a:t>Threshold Used</a:t>
+            </a:r>
+            <a:r>
+              <a:rPr kumimoji="0" lang="en-US" altLang="en-US" sz="1000" b="0" i="0" u="none" strike="noStrike" cap="none" normalizeH="0" baseline="0" dirty="0">
+                <a:ln>
+                  <a:noFill/>
+                </a:ln>
+                <a:solidFill>
+                  <a:schemeClr val="tx1"/>
+                </a:solidFill>
+                <a:effectLst/>
+                <a:latin typeface="Arial" panose="020B0604020202020204" pitchFamily="34" charset="0"/>
+              </a:rPr>
+              <a:t>: The probability value that determines the classification boundary (e.g., above this, it's one class; below, it's another).</a:t>
+            </a:r>
+          </a:p>
+          <a:p>
+            <a:pPr marL="0" marR="0" lvl="0" indent="0" algn="l" defTabSz="914400" rtl="0" eaLnBrk="0" fontAlgn="base" latinLnBrk="0" hangingPunct="0">
+              <a:lnSpc>
+                <a:spcPct val="100000"/>
+              </a:lnSpc>
+              <a:spcBef>
+                <a:spcPct val="0"/>
+              </a:spcBef>
+              <a:spcAft>
+                <a:spcPct val="0"/>
+              </a:spcAft>
+              <a:buClrTx/>
+              <a:buSzTx/>
+              <a:tabLst/>
+            </a:pPr>
+            <a:r>
+              <a:rPr lang="en-US" altLang="en-US" sz="1000" b="1" dirty="0">
+                <a:latin typeface="Arial" panose="020B0604020202020204" pitchFamily="34" charset="0"/>
+              </a:rPr>
+              <a:t>T</a:t>
+            </a:r>
+            <a:r>
+              <a:rPr kumimoji="0" lang="en-US" altLang="en-US" sz="1000" b="1" i="0" u="none" strike="noStrike" cap="none" normalizeH="0" baseline="0" dirty="0">
+                <a:ln>
+                  <a:noFill/>
+                </a:ln>
+                <a:solidFill>
+                  <a:schemeClr val="tx1"/>
+                </a:solidFill>
+                <a:effectLst/>
+                <a:latin typeface="Arial" panose="020B0604020202020204" pitchFamily="34" charset="0"/>
+              </a:rPr>
+              <a:t>otal Scenarios</a:t>
+            </a:r>
+            <a:r>
+              <a:rPr kumimoji="0" lang="en-US" altLang="en-US" sz="1000" b="0" i="0" u="none" strike="noStrike" cap="none" normalizeH="0" baseline="0" dirty="0">
+                <a:ln>
+                  <a:noFill/>
+                </a:ln>
+                <a:solidFill>
+                  <a:schemeClr val="tx1"/>
+                </a:solidFill>
+                <a:effectLst/>
+                <a:latin typeface="Arial" panose="020B0604020202020204" pitchFamily="34" charset="0"/>
+              </a:rPr>
+              <a:t>: The number of distinct test cases or situations evaluated by the model.</a:t>
+            </a:r>
+          </a:p>
+          <a:p>
+            <a:pPr marL="0" marR="0" lvl="0" indent="0" algn="l" defTabSz="914400" rtl="0" eaLnBrk="0" fontAlgn="base" latinLnBrk="0" hangingPunct="0">
+              <a:lnSpc>
+                <a:spcPct val="100000"/>
+              </a:lnSpc>
+              <a:spcBef>
+                <a:spcPct val="0"/>
+              </a:spcBef>
+              <a:spcAft>
+                <a:spcPct val="0"/>
+              </a:spcAft>
+              <a:buClrTx/>
+              <a:buSzTx/>
+              <a:tabLst/>
+            </a:pPr>
+            <a:r>
+              <a:rPr kumimoji="0" lang="en-US" altLang="en-US" sz="1000" b="1" i="0" u="none" strike="noStrike" cap="none" normalizeH="0" baseline="0" dirty="0">
+                <a:ln>
+                  <a:noFill/>
+                </a:ln>
+                <a:solidFill>
+                  <a:schemeClr val="tx1"/>
+                </a:solidFill>
+                <a:effectLst/>
+                <a:latin typeface="Arial" panose="020B0604020202020204" pitchFamily="34" charset="0"/>
+              </a:rPr>
+              <a:t>Correct Prediction (Individual)</a:t>
+            </a:r>
+            <a:r>
+              <a:rPr kumimoji="0" lang="en-US" altLang="en-US" sz="1000" b="0" i="0" u="none" strike="noStrike" cap="none" normalizeH="0" baseline="0" dirty="0">
+                <a:ln>
+                  <a:noFill/>
+                </a:ln>
+                <a:solidFill>
+                  <a:schemeClr val="tx1"/>
+                </a:solidFill>
+                <a:effectLst/>
+                <a:latin typeface="Arial" panose="020B0604020202020204" pitchFamily="34" charset="0"/>
+              </a:rPr>
+              <a:t>: Indicates if the model's prediction for a specific scenario matched the actual outcome.</a:t>
+            </a:r>
+          </a:p>
+          <a:p>
+            <a:pPr marL="0" marR="0" lvl="0" indent="0" algn="l" defTabSz="914400" rtl="0" eaLnBrk="0" fontAlgn="base" latinLnBrk="0" hangingPunct="0">
+              <a:lnSpc>
+                <a:spcPct val="100000"/>
+              </a:lnSpc>
+              <a:spcBef>
+                <a:spcPct val="0"/>
+              </a:spcBef>
+              <a:spcAft>
+                <a:spcPct val="0"/>
+              </a:spcAft>
+              <a:buClrTx/>
+              <a:buSzTx/>
+              <a:tabLst/>
+            </a:pPr>
+            <a:r>
+              <a:rPr kumimoji="0" lang="en-US" altLang="en-US" sz="1000" b="1" i="0" u="none" strike="noStrike" cap="none" normalizeH="0" baseline="0" dirty="0">
+                <a:ln>
+                  <a:noFill/>
+                </a:ln>
+                <a:solidFill>
+                  <a:schemeClr val="tx1"/>
+                </a:solidFill>
+                <a:effectLst/>
+                <a:latin typeface="Arial" panose="020B0604020202020204" pitchFamily="34" charset="0"/>
+              </a:rPr>
+              <a:t>Probability (Individual)</a:t>
+            </a:r>
+            <a:r>
+              <a:rPr kumimoji="0" lang="en-US" altLang="en-US" sz="1000" b="0" i="0" u="none" strike="noStrike" cap="none" normalizeH="0" baseline="0" dirty="0">
+                <a:ln>
+                  <a:noFill/>
+                </a:ln>
+                <a:solidFill>
+                  <a:schemeClr val="tx1"/>
+                </a:solidFill>
+                <a:effectLst/>
+                <a:latin typeface="Arial" panose="020B0604020202020204" pitchFamily="34" charset="0"/>
+              </a:rPr>
+              <a:t>: The model's confidence score for its prediction in a given scenario.</a:t>
+            </a:r>
+          </a:p>
+          <a:p>
+            <a:pPr marL="0" marR="0" lvl="0" indent="0" algn="l" defTabSz="914400" rtl="0" eaLnBrk="0" fontAlgn="base" latinLnBrk="0" hangingPunct="0">
+              <a:lnSpc>
+                <a:spcPct val="100000"/>
+              </a:lnSpc>
+              <a:spcBef>
+                <a:spcPct val="0"/>
+              </a:spcBef>
+              <a:spcAft>
+                <a:spcPct val="0"/>
+              </a:spcAft>
+              <a:buClrTx/>
+              <a:buSzTx/>
+              <a:tabLst/>
+            </a:pPr>
+            <a:r>
+              <a:rPr kumimoji="0" lang="en-US" altLang="en-US" sz="1000" b="1" i="0" u="none" strike="noStrike" cap="none" normalizeH="0" baseline="0" dirty="0">
+                <a:ln>
+                  <a:noFill/>
+                </a:ln>
+                <a:solidFill>
+                  <a:schemeClr val="tx1"/>
+                </a:solidFill>
+                <a:effectLst/>
+                <a:latin typeface="Arial" panose="020B0604020202020204" pitchFamily="34" charset="0"/>
+              </a:rPr>
+              <a:t>Risk Level</a:t>
+            </a:r>
+            <a:r>
+              <a:rPr kumimoji="0" lang="en-US" altLang="en-US" sz="1000" b="0" i="0" u="none" strike="noStrike" cap="none" normalizeH="0" baseline="0" dirty="0">
+                <a:ln>
+                  <a:noFill/>
+                </a:ln>
+                <a:solidFill>
+                  <a:schemeClr val="tx1"/>
+                </a:solidFill>
+                <a:effectLst/>
+                <a:latin typeface="Arial" panose="020B0604020202020204" pitchFamily="34" charset="0"/>
+              </a:rPr>
+              <a:t>: The categorized level of risk assigned to a scenario based on the model's output (e.g., "MEDIUM-HIGH").</a:t>
+            </a:r>
+          </a:p>
+          <a:p>
+            <a:pPr marL="0" marR="0" lvl="0" indent="0" algn="l" defTabSz="914400" rtl="0" eaLnBrk="0" fontAlgn="base" latinLnBrk="0" hangingPunct="0">
+              <a:lnSpc>
+                <a:spcPct val="100000"/>
+              </a:lnSpc>
+              <a:spcBef>
+                <a:spcPct val="0"/>
+              </a:spcBef>
+              <a:spcAft>
+                <a:spcPct val="0"/>
+              </a:spcAft>
+              <a:buClrTx/>
+              <a:buSzTx/>
+              <a:tabLst/>
+            </a:pPr>
+            <a:r>
+              <a:rPr kumimoji="0" lang="en-US" altLang="en-US" sz="1000" b="1" i="0" u="none" strike="noStrike" cap="none" normalizeH="0" baseline="0" dirty="0">
+                <a:ln>
+                  <a:noFill/>
+                </a:ln>
+                <a:solidFill>
+                  <a:schemeClr val="tx1"/>
+                </a:solidFill>
+                <a:effectLst/>
+                <a:latin typeface="Arial" panose="020B0604020202020204" pitchFamily="34" charset="0"/>
+              </a:rPr>
+              <a:t>Successful Tests</a:t>
+            </a:r>
+            <a:r>
+              <a:rPr kumimoji="0" lang="en-US" altLang="en-US" sz="1000" b="0" i="0" u="none" strike="noStrike" cap="none" normalizeH="0" baseline="0" dirty="0">
+                <a:ln>
+                  <a:noFill/>
+                </a:ln>
+                <a:solidFill>
+                  <a:schemeClr val="tx1"/>
+                </a:solidFill>
+                <a:effectLst/>
+                <a:latin typeface="Arial" panose="020B0604020202020204" pitchFamily="34" charset="0"/>
+              </a:rPr>
+              <a:t>: The total number of scenarios that were processed completely without errors.</a:t>
+            </a:r>
+          </a:p>
+          <a:p>
+            <a:pPr marL="0" marR="0" lvl="0" indent="0" algn="l" defTabSz="914400" rtl="0" eaLnBrk="0" fontAlgn="base" latinLnBrk="0" hangingPunct="0">
+              <a:lnSpc>
+                <a:spcPct val="100000"/>
+              </a:lnSpc>
+              <a:spcBef>
+                <a:spcPct val="0"/>
+              </a:spcBef>
+              <a:spcAft>
+                <a:spcPct val="0"/>
+              </a:spcAft>
+              <a:buClrTx/>
+              <a:buSzTx/>
+              <a:tabLst/>
+            </a:pPr>
+            <a:r>
+              <a:rPr kumimoji="0" lang="en-US" altLang="en-US" sz="1000" b="1" i="0" u="none" strike="noStrike" cap="none" normalizeH="0" baseline="0" dirty="0">
+                <a:ln>
+                  <a:noFill/>
+                </a:ln>
+                <a:solidFill>
+                  <a:schemeClr val="tx1"/>
+                </a:solidFill>
+                <a:effectLst/>
+                <a:latin typeface="Arial" panose="020B0604020202020204" pitchFamily="34" charset="0"/>
+              </a:rPr>
+              <a:t>Correct Predictions (Overall)</a:t>
+            </a:r>
+            <a:r>
+              <a:rPr kumimoji="0" lang="en-US" altLang="en-US" sz="1000" b="0" i="0" u="none" strike="noStrike" cap="none" normalizeH="0" baseline="0" dirty="0">
+                <a:ln>
+                  <a:noFill/>
+                </a:ln>
+                <a:solidFill>
+                  <a:schemeClr val="tx1"/>
+                </a:solidFill>
+                <a:effectLst/>
+                <a:latin typeface="Arial" panose="020B0604020202020204" pitchFamily="34" charset="0"/>
+              </a:rPr>
+              <a:t>: The cumulative count of accurate predictions made by the model across all scenarios.</a:t>
+            </a:r>
+          </a:p>
+          <a:p>
+            <a:pPr marL="0" marR="0" lvl="0" indent="0" algn="l" defTabSz="914400" rtl="0" eaLnBrk="0" fontAlgn="base" latinLnBrk="0" hangingPunct="0">
+              <a:lnSpc>
+                <a:spcPct val="100000"/>
+              </a:lnSpc>
+              <a:spcBef>
+                <a:spcPct val="0"/>
+              </a:spcBef>
+              <a:spcAft>
+                <a:spcPct val="0"/>
+              </a:spcAft>
+              <a:buClrTx/>
+              <a:buSzTx/>
+              <a:tabLst/>
+            </a:pPr>
+            <a:r>
+              <a:rPr kumimoji="0" lang="en-US" altLang="en-US" sz="1000" b="1" i="0" u="none" strike="noStrike" cap="none" normalizeH="0" baseline="0" dirty="0">
+                <a:ln>
+                  <a:noFill/>
+                </a:ln>
+                <a:solidFill>
+                  <a:schemeClr val="tx1"/>
+                </a:solidFill>
+                <a:effectLst/>
+                <a:latin typeface="Arial" panose="020B0604020202020204" pitchFamily="34" charset="0"/>
+              </a:rPr>
+              <a:t>Accuracy Percentage</a:t>
+            </a:r>
+            <a:r>
+              <a:rPr kumimoji="0" lang="en-US" altLang="en-US" sz="1000" b="0" i="0" u="none" strike="noStrike" cap="none" normalizeH="0" baseline="0" dirty="0">
+                <a:ln>
+                  <a:noFill/>
+                </a:ln>
+                <a:solidFill>
+                  <a:schemeClr val="tx1"/>
+                </a:solidFill>
+                <a:effectLst/>
+                <a:latin typeface="Arial" panose="020B0604020202020204" pitchFamily="34" charset="0"/>
+              </a:rPr>
+              <a:t>: The overall proportion of correct predictions out of all successful tests, expressed as a percentage.</a:t>
+            </a:r>
+          </a:p>
+          <a:p>
+            <a:pPr marL="0" marR="0" lvl="0" indent="0" algn="l" defTabSz="914400" rtl="0" eaLnBrk="0" fontAlgn="base" latinLnBrk="0" hangingPunct="0">
+              <a:lnSpc>
+                <a:spcPct val="100000"/>
+              </a:lnSpc>
+              <a:spcBef>
+                <a:spcPct val="0"/>
+              </a:spcBef>
+              <a:spcAft>
+                <a:spcPct val="0"/>
+              </a:spcAft>
+              <a:buClrTx/>
+              <a:buSzTx/>
+              <a:tabLst/>
+            </a:pPr>
+            <a:r>
+              <a:rPr kumimoji="0" lang="en-US" altLang="en-US" sz="1000" b="1" i="0" u="none" strike="noStrike" cap="none" normalizeH="0" baseline="0" dirty="0">
+                <a:ln>
+                  <a:noFill/>
+                </a:ln>
+                <a:solidFill>
+                  <a:schemeClr val="tx1"/>
+                </a:solidFill>
+                <a:effectLst/>
+                <a:latin typeface="Arial" panose="020B0604020202020204" pitchFamily="34" charset="0"/>
+              </a:rPr>
+              <a:t>Conservative No-Breach Count</a:t>
+            </a:r>
+            <a:r>
+              <a:rPr kumimoji="0" lang="en-US" altLang="en-US" sz="1000" b="0" i="0" u="none" strike="noStrike" cap="none" normalizeH="0" baseline="0" dirty="0">
+                <a:ln>
+                  <a:noFill/>
+                </a:ln>
+                <a:solidFill>
+                  <a:schemeClr val="tx1"/>
+                </a:solidFill>
+                <a:effectLst/>
+                <a:latin typeface="Arial" panose="020B0604020202020204" pitchFamily="34" charset="0"/>
+              </a:rPr>
+              <a:t>: The number of times the model, under a conservative approach, predicted that no breach would occur.</a:t>
+            </a:r>
+          </a:p>
+          <a:p>
+            <a:pPr marL="0" marR="0" lvl="0" indent="0" algn="l" defTabSz="914400" rtl="0" eaLnBrk="0" fontAlgn="base" latinLnBrk="0" hangingPunct="0">
+              <a:lnSpc>
+                <a:spcPct val="100000"/>
+              </a:lnSpc>
+              <a:spcBef>
+                <a:spcPct val="0"/>
+              </a:spcBef>
+              <a:spcAft>
+                <a:spcPct val="0"/>
+              </a:spcAft>
+              <a:buClrTx/>
+              <a:buSzTx/>
+              <a:tabLst/>
+            </a:pPr>
+            <a:r>
+              <a:rPr kumimoji="0" lang="en-US" altLang="en-US" sz="1000" b="1" i="0" u="none" strike="noStrike" cap="none" normalizeH="0" baseline="0" dirty="0">
+                <a:ln>
+                  <a:noFill/>
+                </a:ln>
+                <a:solidFill>
+                  <a:schemeClr val="tx1"/>
+                </a:solidFill>
+                <a:effectLst/>
+                <a:latin typeface="Arial" panose="020B0604020202020204" pitchFamily="34" charset="0"/>
+              </a:rPr>
+              <a:t>Standard No-Breach Count</a:t>
+            </a:r>
+            <a:r>
+              <a:rPr kumimoji="0" lang="en-US" altLang="en-US" sz="1000" b="0" i="0" u="none" strike="noStrike" cap="none" normalizeH="0" baseline="0" dirty="0">
+                <a:ln>
+                  <a:noFill/>
+                </a:ln>
+                <a:solidFill>
+                  <a:schemeClr val="tx1"/>
+                </a:solidFill>
+                <a:effectLst/>
+                <a:latin typeface="Arial" panose="020B0604020202020204" pitchFamily="34" charset="0"/>
+              </a:rPr>
+              <a:t>: The number of times the model, under a standard approach, predicted that no breach would occur.</a:t>
+            </a:r>
+          </a:p>
+          <a:p>
+            <a:pPr marL="0" marR="0" lvl="0" indent="0" algn="l" defTabSz="914400" rtl="0" eaLnBrk="0" fontAlgn="base" latinLnBrk="0" hangingPunct="0">
+              <a:lnSpc>
+                <a:spcPct val="100000"/>
+              </a:lnSpc>
+              <a:spcBef>
+                <a:spcPct val="0"/>
+              </a:spcBef>
+              <a:spcAft>
+                <a:spcPct val="0"/>
+              </a:spcAft>
+              <a:buClrTx/>
+              <a:buSzTx/>
+              <a:tabLst/>
+            </a:pPr>
+            <a:r>
+              <a:rPr kumimoji="0" lang="en-US" altLang="en-US" sz="1000" b="1" i="0" u="none" strike="noStrike" cap="none" normalizeH="0" baseline="0" dirty="0">
+                <a:ln>
+                  <a:noFill/>
+                </a:ln>
+                <a:solidFill>
+                  <a:schemeClr val="tx1"/>
+                </a:solidFill>
+                <a:effectLst/>
+                <a:latin typeface="Arial" panose="020B0604020202020204" pitchFamily="34" charset="0"/>
+              </a:rPr>
+              <a:t>False Positive Reduction Count</a:t>
+            </a:r>
+            <a:r>
+              <a:rPr kumimoji="0" lang="en-US" altLang="en-US" sz="1000" b="0" i="0" u="none" strike="noStrike" cap="none" normalizeH="0" baseline="0" dirty="0">
+                <a:ln>
+                  <a:noFill/>
+                </a:ln>
+                <a:solidFill>
+                  <a:schemeClr val="tx1"/>
+                </a:solidFill>
+                <a:effectLst/>
+                <a:latin typeface="Arial" panose="020B0604020202020204" pitchFamily="34" charset="0"/>
+              </a:rPr>
+              <a:t>: The number of instances where the model's strategy successfully reduced false positive errors.</a:t>
+            </a:r>
+          </a:p>
+          <a:p>
+            <a:pPr marL="0" marR="0" lvl="0" indent="0" algn="l" defTabSz="914400" rtl="0" eaLnBrk="0" fontAlgn="base" latinLnBrk="0" hangingPunct="0">
+              <a:lnSpc>
+                <a:spcPct val="100000"/>
+              </a:lnSpc>
+              <a:spcBef>
+                <a:spcPct val="0"/>
+              </a:spcBef>
+              <a:spcAft>
+                <a:spcPct val="0"/>
+              </a:spcAft>
+              <a:buClrTx/>
+              <a:buSzTx/>
+              <a:tabLst/>
+            </a:pPr>
+            <a:r>
+              <a:rPr kumimoji="0" lang="en-US" altLang="en-US" sz="1000" b="1" i="0" u="none" strike="noStrike" cap="none" normalizeH="0" baseline="0" dirty="0">
+                <a:ln>
+                  <a:noFill/>
+                </a:ln>
+                <a:solidFill>
+                  <a:schemeClr val="tx1"/>
+                </a:solidFill>
+                <a:effectLst/>
+                <a:latin typeface="Arial" panose="020B0604020202020204" pitchFamily="34" charset="0"/>
+              </a:rPr>
+              <a:t>Average Probability</a:t>
+            </a:r>
+            <a:r>
+              <a:rPr kumimoji="0" lang="en-US" altLang="en-US" sz="1000" b="0" i="0" u="none" strike="noStrike" cap="none" normalizeH="0" baseline="0" dirty="0">
+                <a:ln>
+                  <a:noFill/>
+                </a:ln>
+                <a:solidFill>
+                  <a:schemeClr val="tx1"/>
+                </a:solidFill>
+                <a:effectLst/>
+                <a:latin typeface="Arial" panose="020B0604020202020204" pitchFamily="34" charset="0"/>
+              </a:rPr>
+              <a:t>: The mean of all predicted probabilities across the tested scenarios.</a:t>
+            </a:r>
           </a:p>
         </p:txBody>
       </p:sp>
@@ -8018,22 +8660,739 @@
             <p:ph type="ctrTitle"/>
           </p:nvPr>
         </p:nvSpPr>
-        <p:spPr/>
-        <p:txBody>
-          <a:bodyPr/>
+        <p:spPr>
+          <a:xfrm>
+            <a:off x="640079" y="1371599"/>
+            <a:ext cx="3017521" cy="419101"/>
+          </a:xfrm>
+        </p:spPr>
+        <p:txBody>
+          <a:bodyPr>
+            <a:noAutofit/>
+          </a:bodyPr>
           <a:lstStyle/>
           <a:p>
             <a:r>
-              <a:rPr lang="en-IN" dirty="0"/>
+              <a:rPr lang="en-IN" sz="3200" dirty="0"/>
               <a:t>Recommender Training</a:t>
             </a:r>
           </a:p>
         </p:txBody>
       </p:sp>
+      <p:sp>
+        <p:nvSpPr>
+          <p:cNvPr id="17" name="Rectangle 16">
+            <a:extLst>
+              <a:ext uri="{FF2B5EF4-FFF2-40B4-BE49-F238E27FC236}">
+                <a16:creationId xmlns:a16="http://schemas.microsoft.com/office/drawing/2014/main" id="{0BE7817A-90A8-D37C-E3EB-AE76D4340B05}"/>
+              </a:ext>
+            </a:extLst>
+          </p:cNvPr>
+          <p:cNvSpPr/>
+          <p:nvPr/>
+        </p:nvSpPr>
+        <p:spPr>
+          <a:xfrm>
+            <a:off x="4330700" y="1263650"/>
+            <a:ext cx="3092450" cy="2603500"/>
+          </a:xfrm>
+          <a:prstGeom prst="rect">
+            <a:avLst/>
+          </a:prstGeom>
+        </p:spPr>
+        <p:style>
+          <a:lnRef idx="2">
+            <a:schemeClr val="accent1">
+              <a:shade val="15000"/>
+            </a:schemeClr>
+          </a:lnRef>
+          <a:fillRef idx="1">
+            <a:schemeClr val="accent1"/>
+          </a:fillRef>
+          <a:effectRef idx="0">
+            <a:schemeClr val="accent1"/>
+          </a:effectRef>
+          <a:fontRef idx="minor">
+            <a:schemeClr val="lt1"/>
+          </a:fontRef>
+        </p:style>
+        <p:txBody>
+          <a:bodyPr rtlCol="0" anchor="ctr"/>
+          <a:lstStyle/>
+          <a:p>
+            <a:r>
+              <a:rPr lang="en-IN" b="1" dirty="0"/>
+              <a:t>Data Collection</a:t>
+            </a:r>
+            <a:endParaRPr lang="en-US" b="1" dirty="0"/>
+          </a:p>
+          <a:p>
+            <a:r>
+              <a:rPr lang="en-US" dirty="0"/>
+              <a:t>Historical tickets with:</a:t>
+            </a:r>
+          </a:p>
+          <a:p>
+            <a:r>
+              <a:rPr lang="en-US" dirty="0"/>
+              <a:t>Ticket metadata (priority, category, timestamp, description, etc.)</a:t>
+            </a:r>
+          </a:p>
+          <a:p>
+            <a:r>
+              <a:rPr lang="en-US" dirty="0"/>
+              <a:t>Technician assignments</a:t>
+            </a:r>
+          </a:p>
+          <a:p>
+            <a:r>
+              <a:rPr lang="en-US" dirty="0"/>
+              <a:t>SLA status (breached or not)</a:t>
+            </a:r>
+          </a:p>
+          <a:p>
+            <a:r>
+              <a:rPr lang="en-US" dirty="0"/>
+              <a:t>Resolution time and success rate</a:t>
+            </a:r>
+          </a:p>
+        </p:txBody>
+      </p:sp>
+      <p:sp>
+        <p:nvSpPr>
+          <p:cNvPr id="19" name="Rectangle 18">
+            <a:extLst>
+              <a:ext uri="{FF2B5EF4-FFF2-40B4-BE49-F238E27FC236}">
+                <a16:creationId xmlns:a16="http://schemas.microsoft.com/office/drawing/2014/main" id="{4BBD0D29-C6C4-929A-2297-A2BB23578E0E}"/>
+              </a:ext>
+            </a:extLst>
+          </p:cNvPr>
+          <p:cNvSpPr/>
+          <p:nvPr/>
+        </p:nvSpPr>
+        <p:spPr>
+          <a:xfrm>
+            <a:off x="5064125" y="3975100"/>
+            <a:ext cx="2914650" cy="2673350"/>
+          </a:xfrm>
+          <a:prstGeom prst="rect">
+            <a:avLst/>
+          </a:prstGeom>
+        </p:spPr>
+        <p:style>
+          <a:lnRef idx="2">
+            <a:schemeClr val="accent1">
+              <a:shade val="15000"/>
+            </a:schemeClr>
+          </a:lnRef>
+          <a:fillRef idx="1">
+            <a:schemeClr val="accent1"/>
+          </a:fillRef>
+          <a:effectRef idx="0">
+            <a:schemeClr val="accent1"/>
+          </a:effectRef>
+          <a:fontRef idx="minor">
+            <a:schemeClr val="lt1"/>
+          </a:fontRef>
+        </p:style>
+        <p:txBody>
+          <a:bodyPr rtlCol="0" anchor="ctr"/>
+          <a:lstStyle/>
+          <a:p>
+            <a:r>
+              <a:rPr lang="en-US" b="1" dirty="0"/>
+              <a:t>Model Training</a:t>
+            </a:r>
+            <a:endParaRPr lang="en-US" dirty="0"/>
+          </a:p>
+          <a:p>
+            <a:r>
+              <a:rPr lang="en-US" dirty="0"/>
+              <a:t>Learning-to-rank algorithm (e.g., </a:t>
+            </a:r>
+            <a:r>
+              <a:rPr lang="en-US" dirty="0" err="1"/>
+              <a:t>LambdaRank</a:t>
+            </a:r>
+            <a:r>
+              <a:rPr lang="en-US" dirty="0"/>
+              <a:t> in </a:t>
+            </a:r>
+            <a:r>
+              <a:rPr lang="en-US" dirty="0" err="1"/>
+              <a:t>LightGBM</a:t>
+            </a:r>
+            <a:r>
+              <a:rPr lang="en-US" dirty="0"/>
+              <a:t>)</a:t>
+            </a:r>
+          </a:p>
+          <a:p>
+            <a:r>
+              <a:rPr lang="en-US" dirty="0"/>
+              <a:t>Input: technician-ticket pairs</a:t>
+            </a:r>
+          </a:p>
+          <a:p>
+            <a:r>
+              <a:rPr lang="en-US" dirty="0"/>
+              <a:t>Output: relevance score (suitability of tech for the ticket)</a:t>
+            </a:r>
+          </a:p>
+          <a:p>
+            <a:endParaRPr lang="en-US" dirty="0"/>
+          </a:p>
+        </p:txBody>
+      </p:sp>
+      <p:sp>
+        <p:nvSpPr>
+          <p:cNvPr id="20" name="Rectangle 19">
+            <a:extLst>
+              <a:ext uri="{FF2B5EF4-FFF2-40B4-BE49-F238E27FC236}">
+                <a16:creationId xmlns:a16="http://schemas.microsoft.com/office/drawing/2014/main" id="{365CA6DD-77D0-47E1-327B-8314BD4EECED}"/>
+              </a:ext>
+            </a:extLst>
+          </p:cNvPr>
+          <p:cNvSpPr/>
+          <p:nvPr/>
+        </p:nvSpPr>
+        <p:spPr>
+          <a:xfrm>
+            <a:off x="184150" y="3759200"/>
+            <a:ext cx="2838450" cy="2889250"/>
+          </a:xfrm>
+          <a:prstGeom prst="rect">
+            <a:avLst/>
+          </a:prstGeom>
+        </p:spPr>
+        <p:style>
+          <a:lnRef idx="2">
+            <a:schemeClr val="accent1">
+              <a:shade val="15000"/>
+            </a:schemeClr>
+          </a:lnRef>
+          <a:fillRef idx="1">
+            <a:schemeClr val="accent1"/>
+          </a:fillRef>
+          <a:effectRef idx="0">
+            <a:schemeClr val="accent1"/>
+          </a:effectRef>
+          <a:fontRef idx="minor">
+            <a:schemeClr val="lt1"/>
+          </a:fontRef>
+        </p:style>
+        <p:txBody>
+          <a:bodyPr rtlCol="0" anchor="ctr"/>
+          <a:lstStyle/>
+          <a:p>
+            <a:r>
+              <a:rPr lang="en-US" b="1" dirty="0"/>
+              <a:t>Feature Engineering</a:t>
+            </a:r>
+            <a:endParaRPr lang="en-US" dirty="0"/>
+          </a:p>
+          <a:p>
+            <a:r>
+              <a:rPr lang="en-US" dirty="0"/>
+              <a:t>Technician performance history (SLA adherence, backlog, domain expertise)</a:t>
+            </a:r>
+          </a:p>
+          <a:p>
+            <a:r>
+              <a:rPr lang="en-US" dirty="0"/>
+              <a:t>Ticket complexity metrics</a:t>
+            </a:r>
+          </a:p>
+          <a:p>
+            <a:r>
+              <a:rPr lang="en-US" dirty="0"/>
+              <a:t>Technician–ticket pairwise features (e.g. skill match, last assigned, etc.)</a:t>
+            </a:r>
+          </a:p>
+          <a:p>
+            <a:endParaRPr lang="en-US" dirty="0"/>
+          </a:p>
+        </p:txBody>
+      </p:sp>
+      <p:sp>
+        <p:nvSpPr>
+          <p:cNvPr id="26" name="Rectangle 25">
+            <a:extLst>
+              <a:ext uri="{FF2B5EF4-FFF2-40B4-BE49-F238E27FC236}">
+                <a16:creationId xmlns:a16="http://schemas.microsoft.com/office/drawing/2014/main" id="{AFD3C17A-7DAE-CA67-311C-15F12A3292B3}"/>
+              </a:ext>
+            </a:extLst>
+          </p:cNvPr>
+          <p:cNvSpPr/>
+          <p:nvPr/>
+        </p:nvSpPr>
+        <p:spPr>
+          <a:xfrm>
+            <a:off x="9544050" y="2774949"/>
+            <a:ext cx="2400300" cy="1593847"/>
+          </a:xfrm>
+          <a:prstGeom prst="rect">
+            <a:avLst/>
+          </a:prstGeom>
+        </p:spPr>
+        <p:style>
+          <a:lnRef idx="2">
+            <a:schemeClr val="accent1">
+              <a:shade val="15000"/>
+            </a:schemeClr>
+          </a:lnRef>
+          <a:fillRef idx="1">
+            <a:schemeClr val="accent1"/>
+          </a:fillRef>
+          <a:effectRef idx="0">
+            <a:schemeClr val="accent1"/>
+          </a:effectRef>
+          <a:fontRef idx="minor">
+            <a:schemeClr val="lt1"/>
+          </a:fontRef>
+        </p:style>
+        <p:txBody>
+          <a:bodyPr rtlCol="0" anchor="ctr"/>
+          <a:lstStyle/>
+          <a:p>
+            <a:r>
+              <a:rPr lang="en-US" dirty="0"/>
+              <a:t>Metric: </a:t>
+            </a:r>
+            <a:r>
+              <a:rPr lang="en-US" dirty="0" err="1"/>
+              <a:t>NDCG@k</a:t>
+            </a:r>
+            <a:r>
+              <a:rPr lang="en-US" dirty="0"/>
+              <a:t> — how well the top-k recommendations align with actual top choices</a:t>
+            </a:r>
+          </a:p>
+          <a:p>
+            <a:endParaRPr lang="en-US" dirty="0"/>
+          </a:p>
+        </p:txBody>
+      </p:sp>
+      <p:cxnSp>
+        <p:nvCxnSpPr>
+          <p:cNvPr id="29" name="Straight Arrow Connector 28">
+            <a:extLst>
+              <a:ext uri="{FF2B5EF4-FFF2-40B4-BE49-F238E27FC236}">
+                <a16:creationId xmlns:a16="http://schemas.microsoft.com/office/drawing/2014/main" id="{A772A868-0A20-DF3F-E292-27869FFDF38B}"/>
+              </a:ext>
+            </a:extLst>
+          </p:cNvPr>
+          <p:cNvCxnSpPr>
+            <a:cxnSpLocks/>
+            <a:stCxn id="17" idx="1"/>
+            <a:endCxn id="20" idx="0"/>
+          </p:cNvCxnSpPr>
+          <p:nvPr/>
+        </p:nvCxnSpPr>
+        <p:spPr>
+          <a:xfrm flipH="1">
+            <a:off x="1603375" y="2565400"/>
+            <a:ext cx="2727325" cy="1193800"/>
+          </a:xfrm>
+          <a:prstGeom prst="straightConnector1">
+            <a:avLst/>
+          </a:prstGeom>
+          <a:ln>
+            <a:tailEnd type="triangle"/>
+          </a:ln>
+        </p:spPr>
+        <p:style>
+          <a:lnRef idx="1">
+            <a:schemeClr val="accent1"/>
+          </a:lnRef>
+          <a:fillRef idx="0">
+            <a:schemeClr val="accent1"/>
+          </a:fillRef>
+          <a:effectRef idx="0">
+            <a:schemeClr val="accent1"/>
+          </a:effectRef>
+          <a:fontRef idx="minor">
+            <a:schemeClr val="tx1"/>
+          </a:fontRef>
+        </p:style>
+      </p:cxnSp>
+      <p:cxnSp>
+        <p:nvCxnSpPr>
+          <p:cNvPr id="31" name="Straight Arrow Connector 30">
+            <a:extLst>
+              <a:ext uri="{FF2B5EF4-FFF2-40B4-BE49-F238E27FC236}">
+                <a16:creationId xmlns:a16="http://schemas.microsoft.com/office/drawing/2014/main" id="{BEFE49D0-8124-0440-E62C-FC44AA4F24C1}"/>
+              </a:ext>
+            </a:extLst>
+          </p:cNvPr>
+          <p:cNvCxnSpPr>
+            <a:cxnSpLocks/>
+            <a:stCxn id="20" idx="3"/>
+            <a:endCxn id="19" idx="1"/>
+          </p:cNvCxnSpPr>
+          <p:nvPr/>
+        </p:nvCxnSpPr>
+        <p:spPr>
+          <a:xfrm>
+            <a:off x="3022600" y="5203825"/>
+            <a:ext cx="2041525" cy="107950"/>
+          </a:xfrm>
+          <a:prstGeom prst="straightConnector1">
+            <a:avLst/>
+          </a:prstGeom>
+          <a:ln>
+            <a:tailEnd type="triangle"/>
+          </a:ln>
+        </p:spPr>
+        <p:style>
+          <a:lnRef idx="1">
+            <a:schemeClr val="accent1"/>
+          </a:lnRef>
+          <a:fillRef idx="0">
+            <a:schemeClr val="accent1"/>
+          </a:fillRef>
+          <a:effectRef idx="0">
+            <a:schemeClr val="accent1"/>
+          </a:effectRef>
+          <a:fontRef idx="minor">
+            <a:schemeClr val="tx1"/>
+          </a:fontRef>
+        </p:style>
+      </p:cxnSp>
+      <p:cxnSp>
+        <p:nvCxnSpPr>
+          <p:cNvPr id="35" name="Straight Arrow Connector 34">
+            <a:extLst>
+              <a:ext uri="{FF2B5EF4-FFF2-40B4-BE49-F238E27FC236}">
+                <a16:creationId xmlns:a16="http://schemas.microsoft.com/office/drawing/2014/main" id="{4A427D6A-C167-9C54-9619-1183A36F7A88}"/>
+              </a:ext>
+            </a:extLst>
+          </p:cNvPr>
+          <p:cNvCxnSpPr>
+            <a:cxnSpLocks/>
+          </p:cNvCxnSpPr>
+          <p:nvPr/>
+        </p:nvCxnSpPr>
+        <p:spPr>
+          <a:xfrm flipV="1">
+            <a:off x="7978775" y="4368796"/>
+            <a:ext cx="2409825" cy="1041403"/>
+          </a:xfrm>
+          <a:prstGeom prst="straightConnector1">
+            <a:avLst/>
+          </a:prstGeom>
+          <a:ln>
+            <a:tailEnd type="triangle"/>
+          </a:ln>
+        </p:spPr>
+        <p:style>
+          <a:lnRef idx="1">
+            <a:schemeClr val="accent1"/>
+          </a:lnRef>
+          <a:fillRef idx="0">
+            <a:schemeClr val="accent1"/>
+          </a:fillRef>
+          <a:effectRef idx="0">
+            <a:schemeClr val="accent1"/>
+          </a:effectRef>
+          <a:fontRef idx="minor">
+            <a:schemeClr val="tx1"/>
+          </a:fontRef>
+        </p:style>
+      </p:cxnSp>
     </p:spTree>
     <p:extLst>
       <p:ext uri="{BB962C8B-B14F-4D97-AF65-F5344CB8AC3E}">
         <p14:creationId xmlns:p14="http://schemas.microsoft.com/office/powerpoint/2010/main" val="3587664994"/>
+      </p:ext>
+    </p:extLst>
+  </p:cSld>
+  <p:clrMapOvr>
+    <a:masterClrMapping/>
+  </p:clrMapOvr>
+</p:sld>
+</file>
+
+<file path=ppt/slides/slide9.xml><?xml version="1.0" encoding="utf-8"?>
+<p:sld xmlns:a="http://schemas.openxmlformats.org/drawingml/2006/main" xmlns:r="http://schemas.openxmlformats.org/officeDocument/2006/relationships" xmlns:p="http://schemas.openxmlformats.org/presentationml/2006/main">
+  <p:cSld>
+    <p:spTree>
+      <p:nvGrpSpPr>
+        <p:cNvPr id="1" name=""/>
+        <p:cNvGrpSpPr/>
+        <p:nvPr/>
+      </p:nvGrpSpPr>
+      <p:grpSpPr>
+        <a:xfrm>
+          <a:off x="0" y="0"/>
+          <a:ext cx="0" cy="0"/>
+          <a:chOff x="0" y="0"/>
+          <a:chExt cx="0" cy="0"/>
+        </a:xfrm>
+      </p:grpSpPr>
+      <p:sp>
+        <p:nvSpPr>
+          <p:cNvPr id="5" name="Rectangle 1">
+            <a:extLst>
+              <a:ext uri="{FF2B5EF4-FFF2-40B4-BE49-F238E27FC236}">
+                <a16:creationId xmlns:a16="http://schemas.microsoft.com/office/drawing/2014/main" id="{6D84E5AA-1AFB-3780-81D2-1DCB854E60B7}"/>
+              </a:ext>
+            </a:extLst>
+          </p:cNvPr>
+          <p:cNvSpPr txBox="1">
+            <a:spLocks noChangeArrowheads="1"/>
+          </p:cNvSpPr>
+          <p:nvPr/>
+        </p:nvSpPr>
+        <p:spPr bwMode="auto">
+          <a:xfrm>
+            <a:off x="748030" y="2701799"/>
+            <a:ext cx="9208770" cy="2031325"/>
+          </a:xfrm>
+          <a:prstGeom prst="rect">
+            <a:avLst/>
+          </a:prstGeom>
+          <a:noFill/>
+          <a:ln>
+            <a:noFill/>
+          </a:ln>
+          <a:effectLst/>
+          <a:extLst>
+            <a:ext uri="{909E8E84-426E-40DD-AFC4-6F175D3DCCD1}">
+              <a14:hiddenFill xmlns:a14="http://schemas.microsoft.com/office/drawing/2010/main">
+                <a:solidFill>
+                  <a:schemeClr val="accent1"/>
+                </a:solidFill>
+              </a14:hiddenFill>
+            </a:ext>
+            <a:ext uri="{91240B29-F687-4F45-9708-019B960494DF}">
+              <a14:hiddenLine xmlns:a14="http://schemas.microsoft.com/office/drawing/2010/main" w="9525">
+                <a:solidFill>
+                  <a:schemeClr val="tx1"/>
+                </a:solidFill>
+                <a:miter lim="800000"/>
+                <a:headEnd/>
+                <a:tailEnd/>
+              </a14:hiddenLine>
+            </a:ext>
+            <a:ext uri="{AF507438-7753-43E0-B8FC-AC1667EBCBE1}">
+              <a14:hiddenEffects xmlns:a14="http://schemas.microsoft.com/office/drawing/2010/main">
+                <a:effectLst>
+                  <a:outerShdw dist="35921" dir="2700000" algn="ctr" rotWithShape="0">
+                    <a:schemeClr val="bg2"/>
+                  </a:outerShdw>
+                </a:effectLst>
+              </a14:hiddenEffects>
+            </a:ext>
+          </a:extLst>
+        </p:spPr>
+        <p:txBody>
+          <a:bodyPr vert="horz" wrap="square" lIns="91440" tIns="45720" rIns="91440" bIns="45720" numCol="1" rtlCol="0" anchor="ctr" anchorCtr="0" compatLnSpc="1">
+            <a:prstTxWarp prst="textNoShape">
+              <a:avLst/>
+            </a:prstTxWarp>
+            <a:spAutoFit/>
+          </a:bodyPr>
+          <a:lstStyle>
+            <a:lvl1pPr algn="l" defTabSz="914400" rtl="0" eaLnBrk="1" latinLnBrk="0" hangingPunct="1">
+              <a:lnSpc>
+                <a:spcPct val="100000"/>
+              </a:lnSpc>
+              <a:spcBef>
+                <a:spcPct val="0"/>
+              </a:spcBef>
+              <a:buNone/>
+              <a:defRPr sz="5400" b="1" kern="1200">
+                <a:solidFill>
+                  <a:schemeClr val="tx1"/>
+                </a:solidFill>
+                <a:latin typeface="+mj-lt"/>
+                <a:ea typeface="+mj-ea"/>
+                <a:cs typeface="+mj-cs"/>
+              </a:defRPr>
+            </a:lvl1pPr>
+          </a:lstStyle>
+          <a:p>
+            <a:pPr eaLnBrk="0" fontAlgn="base" hangingPunct="0">
+              <a:spcAft>
+                <a:spcPct val="0"/>
+              </a:spcAft>
+            </a:pPr>
+            <a:endParaRPr lang="en-US" altLang="en-US" sz="1400" i="1" dirty="0">
+              <a:latin typeface="Arial" panose="020B0604020202020204" pitchFamily="34" charset="0"/>
+            </a:endParaRPr>
+          </a:p>
+          <a:p>
+            <a:pPr eaLnBrk="0" fontAlgn="base" hangingPunct="0">
+              <a:spcAft>
+                <a:spcPct val="0"/>
+              </a:spcAft>
+            </a:pPr>
+            <a:r>
+              <a:rPr lang="en-US" altLang="en-US" sz="1400" i="1" dirty="0">
+                <a:latin typeface="Arial" panose="020B0604020202020204" pitchFamily="34" charset="0"/>
+              </a:rPr>
+              <a:t>Lightweight Flask microservice (</a:t>
+            </a:r>
+            <a:r>
+              <a:rPr lang="en-US" altLang="en-US" sz="1400" i="1" dirty="0">
+                <a:latin typeface="Arial Unicode MS"/>
+              </a:rPr>
+              <a:t>/recommend</a:t>
+            </a:r>
+            <a:r>
+              <a:rPr lang="en-US" altLang="en-US" sz="1400" i="1" dirty="0"/>
+              <a:t>) deployed</a:t>
+            </a:r>
+            <a:endParaRPr lang="en-US" altLang="en-US" sz="1400" i="1" dirty="0">
+              <a:latin typeface="Arial" panose="020B0604020202020204" pitchFamily="34" charset="0"/>
+            </a:endParaRPr>
+          </a:p>
+          <a:p>
+            <a:pPr eaLnBrk="0" fontAlgn="base" hangingPunct="0">
+              <a:spcAft>
+                <a:spcPct val="0"/>
+              </a:spcAft>
+            </a:pPr>
+            <a:r>
+              <a:rPr lang="en-US" altLang="en-US" sz="1400" i="1" dirty="0">
+                <a:latin typeface="Arial" panose="020B0604020202020204" pitchFamily="34" charset="0"/>
+              </a:rPr>
+              <a:t>Accepts a new ticket JSON payload.</a:t>
+            </a:r>
+          </a:p>
+          <a:p>
+            <a:pPr eaLnBrk="0" fontAlgn="base" hangingPunct="0">
+              <a:spcAft>
+                <a:spcPct val="0"/>
+              </a:spcAft>
+            </a:pPr>
+            <a:r>
+              <a:rPr lang="en-US" altLang="en-US" sz="1400" i="1" dirty="0">
+                <a:latin typeface="Arial" panose="020B0604020202020204" pitchFamily="34" charset="0"/>
+              </a:rPr>
+              <a:t>Internally:</a:t>
+            </a:r>
+          </a:p>
+          <a:p>
+            <a:pPr marL="457200" lvl="1" algn="l" rtl="0" eaLnBrk="0" fontAlgn="base" hangingPunct="0">
+              <a:spcBef>
+                <a:spcPct val="0"/>
+              </a:spcBef>
+              <a:spcAft>
+                <a:spcPct val="0"/>
+              </a:spcAft>
+            </a:pPr>
+            <a:r>
+              <a:rPr lang="en-US" altLang="en-US" sz="1400" b="1" i="1" kern="0" dirty="0">
+                <a:solidFill>
+                  <a:schemeClr val="tx1"/>
+                </a:solidFill>
+                <a:latin typeface="Arial" panose="020B0604020202020204" pitchFamily="34" charset="0"/>
+              </a:rPr>
+              <a:t>Fetches available technicians.</a:t>
+            </a:r>
+          </a:p>
+          <a:p>
+            <a:pPr marL="457200" lvl="1" algn="l" rtl="0" eaLnBrk="0" fontAlgn="base" hangingPunct="0">
+              <a:spcBef>
+                <a:spcPct val="0"/>
+              </a:spcBef>
+              <a:spcAft>
+                <a:spcPct val="0"/>
+              </a:spcAft>
+            </a:pPr>
+            <a:r>
+              <a:rPr lang="en-US" altLang="en-US" sz="1400" b="1" i="1" kern="0" dirty="0">
+                <a:solidFill>
+                  <a:schemeClr val="tx1"/>
+                </a:solidFill>
+                <a:latin typeface="Arial" panose="020B0604020202020204" pitchFamily="34" charset="0"/>
+              </a:rPr>
+              <a:t>Generates features for each technician-ticket pair.</a:t>
+            </a:r>
+          </a:p>
+          <a:p>
+            <a:pPr marL="457200" lvl="1" algn="l" rtl="0" eaLnBrk="0" fontAlgn="base" hangingPunct="0">
+              <a:spcBef>
+                <a:spcPct val="0"/>
+              </a:spcBef>
+              <a:spcAft>
+                <a:spcPct val="0"/>
+              </a:spcAft>
+            </a:pPr>
+            <a:r>
+              <a:rPr lang="en-US" altLang="en-US" sz="1400" b="1" i="1" kern="0" dirty="0">
+                <a:solidFill>
+                  <a:schemeClr val="tx1"/>
+                </a:solidFill>
+                <a:latin typeface="Arial" panose="020B0604020202020204" pitchFamily="34" charset="0"/>
+              </a:rPr>
+              <a:t>Uses model to rank all candidates.</a:t>
+            </a:r>
+          </a:p>
+          <a:p>
+            <a:pPr eaLnBrk="0" fontAlgn="base" hangingPunct="0">
+              <a:spcAft>
+                <a:spcPct val="0"/>
+              </a:spcAft>
+            </a:pPr>
+            <a:r>
+              <a:rPr lang="en-US" altLang="en-US" sz="1400" i="1" dirty="0">
+                <a:latin typeface="Arial" panose="020B0604020202020204" pitchFamily="34" charset="0"/>
+              </a:rPr>
+              <a:t>Returns the top N recommended technicians sorted by relevance score.</a:t>
+            </a:r>
+          </a:p>
+          <a:p>
+            <a:pPr eaLnBrk="0" fontAlgn="base" hangingPunct="0">
+              <a:spcAft>
+                <a:spcPct val="0"/>
+              </a:spcAft>
+            </a:pPr>
+            <a:endParaRPr lang="en-US" altLang="en-US" sz="1400" i="1" dirty="0">
+              <a:latin typeface="Arial" panose="020B0604020202020204" pitchFamily="34" charset="0"/>
+            </a:endParaRPr>
+          </a:p>
+        </p:txBody>
+      </p:sp>
+      <p:sp>
+        <p:nvSpPr>
+          <p:cNvPr id="6" name="Title 5">
+            <a:extLst>
+              <a:ext uri="{FF2B5EF4-FFF2-40B4-BE49-F238E27FC236}">
+                <a16:creationId xmlns:a16="http://schemas.microsoft.com/office/drawing/2014/main" id="{2F9AEF38-C6A9-543D-B82C-40F6F420246A}"/>
+              </a:ext>
+            </a:extLst>
+          </p:cNvPr>
+          <p:cNvSpPr>
+            <a:spLocks noGrp="1"/>
+          </p:cNvSpPr>
+          <p:nvPr>
+            <p:ph type="ctrTitle"/>
+          </p:nvPr>
+        </p:nvSpPr>
+        <p:spPr>
+          <a:xfrm>
+            <a:off x="640080" y="1371599"/>
+            <a:ext cx="6211570" cy="1390651"/>
+          </a:xfrm>
+        </p:spPr>
+        <p:txBody>
+          <a:bodyPr/>
+          <a:lstStyle/>
+          <a:p>
+            <a:r>
+              <a:rPr lang="en-IN" dirty="0"/>
+              <a:t>Inference Pipeline</a:t>
+            </a:r>
+          </a:p>
+        </p:txBody>
+      </p:sp>
+    </p:spTree>
+    <p:extLst>
+      <p:ext uri="{BB962C8B-B14F-4D97-AF65-F5344CB8AC3E}">
+        <p14:creationId xmlns:p14="http://schemas.microsoft.com/office/powerpoint/2010/main" val="3045382822"/>
       </p:ext>
     </p:extLst>
   </p:cSld>
